--- a/doc/Visualisierung_von_Authentication_Flows.pptx
+++ b/doc/Visualisierung_von_Authentication_Flows.pptx
@@ -20,25 +20,27 @@
     <p:sldId id="269" r:id="rId14"/>
     <p:sldId id="260" r:id="rId15"/>
     <p:sldId id="270" r:id="rId16"/>
+    <p:sldId id="272" r:id="rId17"/>
+    <p:sldId id="273" r:id="rId18"/>
   </p:sldIdLst>
   <p:sldSz cx="9144000" cy="6858000" type="screen4x3"/>
   <p:notesSz cx="6858000" cy="9144000"/>
   <p:embeddedFontLst>
     <p:embeddedFont>
       <p:font typeface="Calibri" panose="020F0502020204030204" pitchFamily="34" charset="0"/>
-      <p:regular r:id="rId17"/>
-      <p:bold r:id="rId18"/>
-      <p:italic r:id="rId19"/>
-      <p:boldItalic r:id="rId20"/>
+      <p:regular r:id="rId19"/>
+      <p:bold r:id="rId20"/>
+      <p:italic r:id="rId21"/>
+      <p:boldItalic r:id="rId22"/>
     </p:embeddedFont>
     <p:embeddedFont>
       <p:font typeface="Calibri Light" panose="020F0302020204030204" pitchFamily="34" charset="0"/>
-      <p:regular r:id="rId21"/>
-      <p:italic r:id="rId22"/>
+      <p:regular r:id="rId23"/>
+      <p:italic r:id="rId24"/>
     </p:embeddedFont>
     <p:embeddedFont>
       <p:font typeface="Cambria Math" panose="02040503050406030204" pitchFamily="18" charset="0"/>
-      <p:regular r:id="rId23"/>
+      <p:regular r:id="rId25"/>
     </p:embeddedFont>
   </p:embeddedFontLst>
   <p:defaultTextStyle>
@@ -294,7 +296,7 @@
             <a:fld id="{91368382-0E37-483B-9E19-70DE876F764F}" type="datetimeFigureOut">
               <a:rPr lang="de-DE" smtClean="0"/>
               <a:pPr/>
-              <a:t>06.09.2021</a:t>
+              <a:t>06.09.21</a:t>
             </a:fld>
             <a:endParaRPr lang="de-CH"/>
           </a:p>
@@ -496,7 +498,7 @@
             <a:fld id="{91368382-0E37-483B-9E19-70DE876F764F}" type="datetimeFigureOut">
               <a:rPr lang="de-DE" smtClean="0"/>
               <a:pPr/>
-              <a:t>06.09.2021</a:t>
+              <a:t>06.09.21</a:t>
             </a:fld>
             <a:endParaRPr lang="de-CH"/>
           </a:p>
@@ -708,7 +710,7 @@
             <a:fld id="{91368382-0E37-483B-9E19-70DE876F764F}" type="datetimeFigureOut">
               <a:rPr lang="de-DE" smtClean="0"/>
               <a:pPr/>
-              <a:t>06.09.2021</a:t>
+              <a:t>06.09.21</a:t>
             </a:fld>
             <a:endParaRPr lang="de-CH"/>
           </a:p>
@@ -910,7 +912,7 @@
             <a:fld id="{91368382-0E37-483B-9E19-70DE876F764F}" type="datetimeFigureOut">
               <a:rPr lang="de-DE" smtClean="0"/>
               <a:pPr/>
-              <a:t>06.09.2021</a:t>
+              <a:t>06.09.21</a:t>
             </a:fld>
             <a:endParaRPr lang="de-CH"/>
           </a:p>
@@ -1188,7 +1190,7 @@
             <a:fld id="{91368382-0E37-483B-9E19-70DE876F764F}" type="datetimeFigureOut">
               <a:rPr lang="de-DE" smtClean="0"/>
               <a:pPr/>
-              <a:t>06.09.2021</a:t>
+              <a:t>06.09.21</a:t>
             </a:fld>
             <a:endParaRPr lang="de-CH"/>
           </a:p>
@@ -1458,7 +1460,7 @@
             <a:fld id="{91368382-0E37-483B-9E19-70DE876F764F}" type="datetimeFigureOut">
               <a:rPr lang="de-DE" smtClean="0"/>
               <a:pPr/>
-              <a:t>06.09.2021</a:t>
+              <a:t>06.09.21</a:t>
             </a:fld>
             <a:endParaRPr lang="de-CH"/>
           </a:p>
@@ -1875,7 +1877,7 @@
             <a:fld id="{91368382-0E37-483B-9E19-70DE876F764F}" type="datetimeFigureOut">
               <a:rPr lang="de-DE" smtClean="0"/>
               <a:pPr/>
-              <a:t>06.09.2021</a:t>
+              <a:t>06.09.21</a:t>
             </a:fld>
             <a:endParaRPr lang="de-CH"/>
           </a:p>
@@ -2019,7 +2021,7 @@
             <a:fld id="{91368382-0E37-483B-9E19-70DE876F764F}" type="datetimeFigureOut">
               <a:rPr lang="de-DE" smtClean="0"/>
               <a:pPr/>
-              <a:t>06.09.2021</a:t>
+              <a:t>06.09.21</a:t>
             </a:fld>
             <a:endParaRPr lang="de-CH"/>
           </a:p>
@@ -2134,7 +2136,7 @@
             <a:fld id="{91368382-0E37-483B-9E19-70DE876F764F}" type="datetimeFigureOut">
               <a:rPr lang="de-DE" smtClean="0"/>
               <a:pPr/>
-              <a:t>06.09.2021</a:t>
+              <a:t>06.09.21</a:t>
             </a:fld>
             <a:endParaRPr lang="de-CH"/>
           </a:p>
@@ -2449,7 +2451,7 @@
             <a:fld id="{91368382-0E37-483B-9E19-70DE876F764F}" type="datetimeFigureOut">
               <a:rPr lang="de-DE" smtClean="0"/>
               <a:pPr/>
-              <a:t>06.09.2021</a:t>
+              <a:t>06.09.21</a:t>
             </a:fld>
             <a:endParaRPr lang="de-CH"/>
           </a:p>
@@ -2740,7 +2742,7 @@
             <a:fld id="{91368382-0E37-483B-9E19-70DE876F764F}" type="datetimeFigureOut">
               <a:rPr lang="de-DE" smtClean="0"/>
               <a:pPr/>
-              <a:t>06.09.2021</a:t>
+              <a:t>06.09.21</a:t>
             </a:fld>
             <a:endParaRPr lang="de-CH"/>
           </a:p>
@@ -2985,7 +2987,7 @@
             <a:fld id="{91368382-0E37-483B-9E19-70DE876F764F}" type="datetimeFigureOut">
               <a:rPr lang="de-DE" smtClean="0"/>
               <a:pPr/>
-              <a:t>06.09.2021</a:t>
+              <a:t>06.09.21</a:t>
             </a:fld>
             <a:endParaRPr lang="de-CH"/>
           </a:p>
@@ -3700,6 +3702,17 @@
               <a:rPr lang="de-CH" dirty="0" err="1"/>
               <a:t>Treewalk</a:t>
             </a:r>
+            <a:br>
+              <a:rPr lang="de-CH" dirty="0"/>
+            </a:br>
+            <a:r>
+              <a:rPr lang="de-CH" dirty="0"/>
+              <a:t>Parse </a:t>
+            </a:r>
+            <a:r>
+              <a:rPr lang="de-CH" dirty="0" err="1"/>
+              <a:t>medusa-configuration.xml</a:t>
+            </a:r>
             <a:endParaRPr lang="de-CH" dirty="0"/>
           </a:p>
         </p:txBody>
@@ -3726,7 +3739,7 @@
         </p:blipFill>
         <p:spPr>
           <a:xfrm>
-            <a:off x="695018" y="1559899"/>
+            <a:off x="628650" y="2438648"/>
             <a:ext cx="7468642" cy="1714739"/>
           </a:xfrm>
           <a:prstGeom prst="rect">
@@ -3756,7 +3769,7 @@
         </p:blipFill>
         <p:spPr>
           <a:xfrm>
-            <a:off x="695018" y="3436870"/>
+            <a:off x="586248" y="4419352"/>
             <a:ext cx="7971503" cy="1757497"/>
           </a:xfrm>
           <a:prstGeom prst="rect">
@@ -3773,18 +3786,20 @@
               </a:ext>
             </a:extLst>
           </p:cNvPr>
-          <p:cNvCxnSpPr/>
+          <p:cNvCxnSpPr>
+            <a:cxnSpLocks/>
+          </p:cNvCxnSpPr>
           <p:nvPr/>
         </p:nvCxnSpPr>
         <p:spPr>
           <a:xfrm>
-            <a:off x="5051323" y="2145890"/>
-            <a:ext cx="1954161" cy="1231491"/>
+            <a:off x="4984416" y="3054878"/>
+            <a:ext cx="1951643" cy="1364474"/>
           </a:xfrm>
           <a:prstGeom prst="straightConnector1">
             <a:avLst/>
           </a:prstGeom>
-          <a:ln>
+          <a:ln w="19050">
             <a:tailEnd type="triangle"/>
           </a:ln>
         </p:spPr>
@@ -3942,6 +3957,21 @@
               <a:rPr lang="en-US" sz="3600" dirty="0" err="1"/>
               <a:t>Treewalk</a:t>
             </a:r>
+            <a:br>
+              <a:rPr lang="en-US" sz="3600" dirty="0"/>
+            </a:br>
+            <a:r>
+              <a:rPr lang="en-US" sz="3600" dirty="0" err="1"/>
+              <a:t>Rekursive</a:t>
+            </a:r>
+            <a:r>
+              <a:rPr lang="en-US" sz="3600" dirty="0"/>
+              <a:t> </a:t>
+            </a:r>
+            <a:r>
+              <a:rPr lang="en-US" sz="3600" dirty="0" err="1"/>
+              <a:t>Funktion</a:t>
+            </a:r>
             <a:endParaRPr lang="en-US" sz="3600" dirty="0"/>
           </a:p>
         </p:txBody>
@@ -4023,17 +4053,47 @@
         </p:nvSpPr>
         <p:spPr/>
         <p:txBody>
-          <a:bodyPr/>
+          <a:bodyPr>
+            <a:normAutofit fontScale="90000"/>
+          </a:bodyPr>
           <a:lstStyle/>
           <a:p>
             <a:r>
               <a:rPr lang="de-CH" dirty="0" err="1"/>
               <a:t>Plantuml</a:t>
             </a:r>
+            <a:br>
+              <a:rPr lang="de-CH" dirty="0"/>
+            </a:br>
+            <a:r>
+              <a:rPr lang="de-CH" dirty="0" err="1"/>
+              <a:t>Treewalk</a:t>
+            </a:r>
+            <a:r>
+              <a:rPr lang="de-CH" dirty="0"/>
+              <a:t> erzeugt «</a:t>
+            </a:r>
+            <a:r>
+              <a:rPr lang="de-CH" dirty="0" err="1"/>
+              <a:t>code</a:t>
+            </a:r>
+            <a:r>
+              <a:rPr lang="de-CH" dirty="0"/>
+              <a:t>» für </a:t>
+            </a:r>
+            <a:r>
+              <a:rPr lang="de-CH" dirty="0" err="1"/>
+              <a:t>plantuml</a:t>
+            </a:r>
             <a:r>
               <a:rPr lang="de-CH" dirty="0"/>
               <a:t> </a:t>
             </a:r>
+            <a:r>
+              <a:rPr lang="de-CH" dirty="0" err="1"/>
+              <a:t>mindmap</a:t>
+            </a:r>
+            <a:endParaRPr lang="de-CH" dirty="0"/>
           </a:p>
         </p:txBody>
       </p:sp>
@@ -4060,7 +4120,7 @@
         <p:spPr>
           <a:xfrm>
             <a:off x="648743" y="2292973"/>
-            <a:ext cx="7846513" cy="2272054"/>
+            <a:ext cx="8332723" cy="2412842"/>
           </a:xfrm>
           <a:prstGeom prst="rect">
             <a:avLst/>
@@ -4134,58 +4194,6 @@
           </a:prstGeom>
         </p:spPr>
       </p:pic>
-      <p:sp>
-        <p:nvSpPr>
-          <p:cNvPr id="6" name="Textfeld 5">
-            <a:extLst>
-              <a:ext uri="{FF2B5EF4-FFF2-40B4-BE49-F238E27FC236}">
-                <a16:creationId xmlns:a16="http://schemas.microsoft.com/office/drawing/2014/main" id="{3FFA1A9F-EB9F-434B-B91D-D689F8FBA02B}"/>
-              </a:ext>
-            </a:extLst>
-          </p:cNvPr>
-          <p:cNvSpPr txBox="1"/>
-          <p:nvPr/>
-        </p:nvSpPr>
-        <p:spPr>
-          <a:xfrm>
-            <a:off x="628650" y="1690689"/>
-            <a:ext cx="5189589" cy="369332"/>
-          </a:xfrm>
-          <a:prstGeom prst="rect">
-            <a:avLst/>
-          </a:prstGeom>
-          <a:noFill/>
-        </p:spPr>
-        <p:txBody>
-          <a:bodyPr wrap="square" rtlCol="0">
-            <a:spAutoFit/>
-          </a:bodyPr>
-          <a:lstStyle/>
-          <a:p>
-            <a:r>
-              <a:rPr lang="de-CH" dirty="0" err="1"/>
-              <a:t>Treewalk</a:t>
-            </a:r>
-            <a:r>
-              <a:rPr lang="de-CH" dirty="0"/>
-              <a:t> erzeugt «code» für </a:t>
-            </a:r>
-            <a:r>
-              <a:rPr lang="de-CH" dirty="0" err="1"/>
-              <a:t>plantuml</a:t>
-            </a:r>
-            <a:r>
-              <a:rPr lang="de-CH" dirty="0"/>
-              <a:t> </a:t>
-            </a:r>
-            <a:r>
-              <a:rPr lang="de-CH" dirty="0" err="1"/>
-              <a:t>mindmap</a:t>
-            </a:r>
-            <a:endParaRPr lang="de-CH" dirty="0"/>
-          </a:p>
-        </p:txBody>
-      </p:sp>
     </p:spTree>
     <p:extLst>
       <p:ext uri="{BB962C8B-B14F-4D97-AF65-F5344CB8AC3E}">
@@ -4708,6 +4716,640 @@
 </p:sld>
 </file>
 
+<file path=ppt/slides/slide16.xml><?xml version="1.0" encoding="utf-8"?>
+<p:sld xmlns:a="http://schemas.openxmlformats.org/drawingml/2006/main" xmlns:r="http://schemas.openxmlformats.org/officeDocument/2006/relationships" xmlns:p="http://schemas.openxmlformats.org/presentationml/2006/main">
+  <p:cSld>
+    <p:spTree>
+      <p:nvGrpSpPr>
+        <p:cNvPr id="1" name=""/>
+        <p:cNvGrpSpPr/>
+        <p:nvPr/>
+      </p:nvGrpSpPr>
+      <p:grpSpPr>
+        <a:xfrm>
+          <a:off x="0" y="0"/>
+          <a:ext cx="0" cy="0"/>
+          <a:chOff x="0" y="0"/>
+          <a:chExt cx="0" cy="0"/>
+        </a:xfrm>
+      </p:grpSpPr>
+      <p:pic>
+        <p:nvPicPr>
+          <p:cNvPr id="3" name="Grafik 2">
+            <a:extLst>
+              <a:ext uri="{FF2B5EF4-FFF2-40B4-BE49-F238E27FC236}">
+                <a16:creationId xmlns:a16="http://schemas.microsoft.com/office/drawing/2014/main" id="{ECD7FD78-8980-BD4F-A3B2-9015B80F8EF7}"/>
+              </a:ext>
+            </a:extLst>
+          </p:cNvPr>
+          <p:cNvPicPr>
+            <a:picLocks noChangeAspect="1"/>
+          </p:cNvPicPr>
+          <p:nvPr/>
+        </p:nvPicPr>
+        <p:blipFill>
+          <a:blip r:embed="rId2"/>
+          <a:stretch>
+            <a:fillRect/>
+          </a:stretch>
+        </p:blipFill>
+        <p:spPr>
+          <a:xfrm>
+            <a:off x="0" y="926348"/>
+            <a:ext cx="9144000" cy="4492348"/>
+          </a:xfrm>
+          <a:prstGeom prst="rect">
+            <a:avLst/>
+          </a:prstGeom>
+        </p:spPr>
+      </p:pic>
+      <p:sp>
+        <p:nvSpPr>
+          <p:cNvPr id="4" name="Rechteck 3">
+            <a:extLst>
+              <a:ext uri="{FF2B5EF4-FFF2-40B4-BE49-F238E27FC236}">
+                <a16:creationId xmlns:a16="http://schemas.microsoft.com/office/drawing/2014/main" id="{0E8ECB6C-9B8E-BF49-9E0A-39365488E3C7}"/>
+              </a:ext>
+            </a:extLst>
+          </p:cNvPr>
+          <p:cNvSpPr/>
+          <p:nvPr/>
+        </p:nvSpPr>
+        <p:spPr>
+          <a:xfrm>
+            <a:off x="442793" y="5931652"/>
+            <a:ext cx="5453159" cy="369332"/>
+          </a:xfrm>
+          <a:prstGeom prst="rect">
+            <a:avLst/>
+          </a:prstGeom>
+        </p:spPr>
+        <p:txBody>
+          <a:bodyPr wrap="none">
+            <a:spAutoFit/>
+          </a:bodyPr>
+          <a:lstStyle/>
+          <a:p>
+            <a:r>
+              <a:rPr lang="de-DE" dirty="0"/>
+              <a:t>Online Server </a:t>
+            </a:r>
+            <a:r>
+              <a:rPr lang="de-DE" dirty="0">
+                <a:hlinkClick r:id="rId3"/>
+              </a:rPr>
+              <a:t>http://</a:t>
+            </a:r>
+            <a:r>
+              <a:rPr lang="de-DE" dirty="0" err="1">
+                <a:hlinkClick r:id="rId3"/>
+              </a:rPr>
+              <a:t>www.plantuml.com</a:t>
+            </a:r>
+            <a:r>
+              <a:rPr lang="de-DE" dirty="0">
+                <a:hlinkClick r:id="rId3"/>
+              </a:rPr>
+              <a:t>/</a:t>
+            </a:r>
+            <a:r>
+              <a:rPr lang="de-DE" dirty="0" err="1">
+                <a:hlinkClick r:id="rId3"/>
+              </a:rPr>
+              <a:t>plantuml</a:t>
+            </a:r>
+            <a:r>
+              <a:rPr lang="de-DE" dirty="0">
+                <a:hlinkClick r:id="rId3"/>
+              </a:rPr>
+              <a:t>/</a:t>
+            </a:r>
+            <a:r>
+              <a:rPr lang="de-DE" dirty="0" err="1">
+                <a:hlinkClick r:id="rId3"/>
+              </a:rPr>
+              <a:t>uml</a:t>
+            </a:r>
+            <a:r>
+              <a:rPr lang="de-DE" dirty="0">
+                <a:hlinkClick r:id="rId3"/>
+              </a:rPr>
+              <a:t>/</a:t>
+            </a:r>
+            <a:endParaRPr lang="de-DE" dirty="0"/>
+          </a:p>
+        </p:txBody>
+      </p:sp>
+    </p:spTree>
+    <p:extLst>
+      <p:ext uri="{BB962C8B-B14F-4D97-AF65-F5344CB8AC3E}">
+        <p14:creationId xmlns:p14="http://schemas.microsoft.com/office/powerpoint/2010/main" val="3593014341"/>
+      </p:ext>
+    </p:extLst>
+  </p:cSld>
+  <p:clrMapOvr>
+    <a:masterClrMapping/>
+  </p:clrMapOvr>
+</p:sld>
+</file>
+
+<file path=ppt/slides/slide17.xml><?xml version="1.0" encoding="utf-8"?>
+<p:sld xmlns:a="http://schemas.openxmlformats.org/drawingml/2006/main" xmlns:r="http://schemas.openxmlformats.org/officeDocument/2006/relationships" xmlns:p="http://schemas.openxmlformats.org/presentationml/2006/main">
+  <p:cSld>
+    <p:bg>
+      <p:bgPr>
+        <a:solidFill>
+          <a:schemeClr val="bg1"/>
+        </a:solidFill>
+        <a:effectLst/>
+      </p:bgPr>
+    </p:bg>
+    <p:spTree>
+      <p:nvGrpSpPr>
+        <p:cNvPr id="1" name=""/>
+        <p:cNvGrpSpPr/>
+        <p:nvPr/>
+      </p:nvGrpSpPr>
+      <p:grpSpPr>
+        <a:xfrm>
+          <a:off x="0" y="0"/>
+          <a:ext cx="0" cy="0"/>
+          <a:chOff x="0" y="0"/>
+          <a:chExt cx="0" cy="0"/>
+        </a:xfrm>
+      </p:grpSpPr>
+      <p:sp useBgFill="1">
+        <p:nvSpPr>
+          <p:cNvPr id="8" name="Rectangle 7">
+            <a:extLst>
+              <a:ext uri="{FF2B5EF4-FFF2-40B4-BE49-F238E27FC236}">
+                <a16:creationId xmlns:a16="http://schemas.microsoft.com/office/drawing/2014/main" id="{0671A8AE-40A1-4631-A6B8-581AFF065482}"/>
+              </a:ext>
+              <a:ext uri="{C183D7F6-B498-43B3-948B-1728B52AA6E4}">
+                <adec:decorative xmlns:adec="http://schemas.microsoft.com/office/drawing/2017/decorative" val="1"/>
+              </a:ext>
+            </a:extLst>
+          </p:cNvPr>
+          <p:cNvSpPr>
+            <a:spLocks noGrp="1" noRot="1" noChangeAspect="1" noMove="1" noResize="1" noEditPoints="1" noAdjustHandles="1" noChangeArrowheads="1" noChangeShapeType="1" noTextEdit="1"/>
+          </p:cNvSpPr>
+          <p:nvPr>
+            <p:extLst>
+              <p:ext uri="{386F3935-93C4-4BCD-93E2-E3B085C9AB24}">
+                <p16:designElem xmlns:p16="http://schemas.microsoft.com/office/powerpoint/2015/main" val="1"/>
+              </p:ext>
+            </p:extLst>
+          </p:nvPr>
+        </p:nvSpPr>
+        <p:spPr>
+          <a:xfrm>
+            <a:off x="0" y="0"/>
+            <a:ext cx="9144000" cy="6858000"/>
+          </a:xfrm>
+          <a:prstGeom prst="rect">
+            <a:avLst/>
+          </a:prstGeom>
+          <a:ln>
+            <a:noFill/>
+          </a:ln>
+        </p:spPr>
+        <p:style>
+          <a:lnRef idx="2">
+            <a:schemeClr val="accent1">
+              <a:shade val="50000"/>
+            </a:schemeClr>
+          </a:lnRef>
+          <a:fillRef idx="1">
+            <a:schemeClr val="accent1"/>
+          </a:fillRef>
+          <a:effectRef idx="0">
+            <a:schemeClr val="accent1"/>
+          </a:effectRef>
+          <a:fontRef idx="minor">
+            <a:schemeClr val="lt1"/>
+          </a:fontRef>
+        </p:style>
+        <p:txBody>
+          <a:bodyPr rtlCol="0" anchor="ctr"/>
+          <a:lstStyle/>
+          <a:p>
+            <a:pPr algn="ctr"/>
+            <a:endParaRPr lang="en-US"/>
+          </a:p>
+        </p:txBody>
+      </p:sp>
+      <p:pic>
+        <p:nvPicPr>
+          <p:cNvPr id="4" name="Picture 3" descr="Viele Fragezeichen vor schwarzem Hintergrund">
+            <a:extLst>
+              <a:ext uri="{FF2B5EF4-FFF2-40B4-BE49-F238E27FC236}">
+                <a16:creationId xmlns:a16="http://schemas.microsoft.com/office/drawing/2014/main" id="{B259F105-D059-4A29-86EF-E0C0F94AC8A5}"/>
+              </a:ext>
+            </a:extLst>
+          </p:cNvPr>
+          <p:cNvPicPr>
+            <a:picLocks noChangeAspect="1"/>
+          </p:cNvPicPr>
+          <p:nvPr/>
+        </p:nvPicPr>
+        <p:blipFill rotWithShape="1">
+          <a:blip r:embed="rId2"/>
+          <a:srcRect l="42171" r="2" b="2"/>
+          <a:stretch/>
+        </p:blipFill>
+        <p:spPr>
+          <a:xfrm>
+            <a:off x="2642616" y="10"/>
+            <a:ext cx="6501384" cy="6857990"/>
+          </a:xfrm>
+          <a:prstGeom prst="rect">
+            <a:avLst/>
+          </a:prstGeom>
+        </p:spPr>
+      </p:pic>
+      <p:sp>
+        <p:nvSpPr>
+          <p:cNvPr id="10" name="Rectangle 9">
+            <a:extLst>
+              <a:ext uri="{FF2B5EF4-FFF2-40B4-BE49-F238E27FC236}">
+                <a16:creationId xmlns:a16="http://schemas.microsoft.com/office/drawing/2014/main" id="{AB58EF07-17C2-48CF-ABB0-EEF1F17CB8F0}"/>
+              </a:ext>
+              <a:ext uri="{C183D7F6-B498-43B3-948B-1728B52AA6E4}">
+                <adec:decorative xmlns:adec="http://schemas.microsoft.com/office/drawing/2017/decorative" val="1"/>
+              </a:ext>
+            </a:extLst>
+          </p:cNvPr>
+          <p:cNvSpPr>
+            <a:spLocks noGrp="1" noRot="1" noChangeAspect="1" noMove="1" noResize="1" noEditPoints="1" noAdjustHandles="1" noChangeArrowheads="1" noChangeShapeType="1" noTextEdit="1"/>
+          </p:cNvSpPr>
+          <p:nvPr>
+            <p:extLst>
+              <p:ext uri="{386F3935-93C4-4BCD-93E2-E3B085C9AB24}">
+                <p16:designElem xmlns:p16="http://schemas.microsoft.com/office/powerpoint/2015/main" val="1"/>
+              </p:ext>
+            </p:extLst>
+          </p:nvPr>
+        </p:nvSpPr>
+        <p:spPr>
+          <a:xfrm>
+            <a:off x="2" y="0"/>
+            <a:ext cx="7004404" cy="6858000"/>
+          </a:xfrm>
+          <a:prstGeom prst="rect">
+            <a:avLst/>
+          </a:prstGeom>
+          <a:gradFill>
+            <a:gsLst>
+              <a:gs pos="58000">
+                <a:schemeClr val="bg1"/>
+              </a:gs>
+              <a:gs pos="33000">
+                <a:schemeClr val="bg1">
+                  <a:alpha val="64000"/>
+                </a:schemeClr>
+              </a:gs>
+              <a:gs pos="0">
+                <a:schemeClr val="bg1">
+                  <a:alpha val="0"/>
+                </a:schemeClr>
+              </a:gs>
+              <a:gs pos="100000">
+                <a:schemeClr val="bg1"/>
+              </a:gs>
+            </a:gsLst>
+            <a:lin ang="10800000" scaled="0"/>
+          </a:gradFill>
+          <a:ln>
+            <a:noFill/>
+          </a:ln>
+        </p:spPr>
+        <p:style>
+          <a:lnRef idx="2">
+            <a:schemeClr val="accent1">
+              <a:shade val="50000"/>
+            </a:schemeClr>
+          </a:lnRef>
+          <a:fillRef idx="1">
+            <a:schemeClr val="accent1"/>
+          </a:fillRef>
+          <a:effectRef idx="0">
+            <a:schemeClr val="accent1"/>
+          </a:effectRef>
+          <a:fontRef idx="minor">
+            <a:schemeClr val="lt1"/>
+          </a:fontRef>
+        </p:style>
+        <p:txBody>
+          <a:bodyPr rtlCol="0" anchor="ctr"/>
+          <a:lstStyle/>
+          <a:p>
+            <a:pPr algn="ctr"/>
+            <a:endParaRPr lang="en-US" dirty="0"/>
+          </a:p>
+        </p:txBody>
+      </p:sp>
+      <p:sp>
+        <p:nvSpPr>
+          <p:cNvPr id="2" name="Titel 1">
+            <a:extLst>
+              <a:ext uri="{FF2B5EF4-FFF2-40B4-BE49-F238E27FC236}">
+                <a16:creationId xmlns:a16="http://schemas.microsoft.com/office/drawing/2014/main" id="{9C4FBC3A-78D9-584D-B217-7B96F04EEF42}"/>
+              </a:ext>
+            </a:extLst>
+          </p:cNvPr>
+          <p:cNvSpPr>
+            <a:spLocks noGrp="1"/>
+          </p:cNvSpPr>
+          <p:nvPr>
+            <p:ph type="title"/>
+          </p:nvPr>
+        </p:nvSpPr>
+        <p:spPr>
+          <a:xfrm>
+            <a:off x="358485" y="1122363"/>
+            <a:ext cx="3017520" cy="3204134"/>
+          </a:xfrm>
+        </p:spPr>
+        <p:txBody>
+          <a:bodyPr vert="horz" lIns="91440" tIns="45720" rIns="91440" bIns="45720" rtlCol="0" anchor="b">
+            <a:normAutofit/>
+          </a:bodyPr>
+          <a:lstStyle/>
+          <a:p>
+            <a:pPr defTabSz="914400"/>
+            <a:r>
+              <a:rPr lang="en-US" sz="4200"/>
+              <a:t>Diskussion und Fragen</a:t>
+            </a:r>
+          </a:p>
+        </p:txBody>
+      </p:sp>
+      <p:sp>
+        <p:nvSpPr>
+          <p:cNvPr id="12" name="Rectangle 11">
+            <a:extLst>
+              <a:ext uri="{FF2B5EF4-FFF2-40B4-BE49-F238E27FC236}">
+                <a16:creationId xmlns:a16="http://schemas.microsoft.com/office/drawing/2014/main" id="{AF2F604E-43BE-4DC3-B983-E071523364F8}"/>
+              </a:ext>
+              <a:ext uri="{C183D7F6-B498-43B3-948B-1728B52AA6E4}">
+                <adec:decorative xmlns:adec="http://schemas.microsoft.com/office/drawing/2017/decorative" val="1"/>
+              </a:ext>
+            </a:extLst>
+          </p:cNvPr>
+          <p:cNvSpPr>
+            <a:spLocks noGrp="1" noRot="1" noChangeAspect="1" noMove="1" noResize="1" noEditPoints="1" noAdjustHandles="1" noChangeArrowheads="1" noChangeShapeType="1" noTextEdit="1"/>
+          </p:cNvSpPr>
+          <p:nvPr>
+            <p:extLst>
+              <p:ext uri="{386F3935-93C4-4BCD-93E2-E3B085C9AB24}">
+                <p16:designElem xmlns:p16="http://schemas.microsoft.com/office/powerpoint/2015/main" val="1"/>
+              </p:ext>
+            </p:extLst>
+          </p:nvPr>
+        </p:nvSpPr>
+        <p:spPr>
+          <a:xfrm rot="5400000">
+            <a:off x="551653" y="434802"/>
+            <a:ext cx="146304" cy="528066"/>
+          </a:xfrm>
+          <a:prstGeom prst="rect">
+            <a:avLst/>
+          </a:prstGeom>
+          <a:solidFill>
+            <a:schemeClr val="accent2"/>
+          </a:solidFill>
+          <a:ln>
+            <a:noFill/>
+          </a:ln>
+        </p:spPr>
+        <p:style>
+          <a:lnRef idx="2">
+            <a:schemeClr val="accent1">
+              <a:shade val="50000"/>
+            </a:schemeClr>
+          </a:lnRef>
+          <a:fillRef idx="1">
+            <a:schemeClr val="accent1"/>
+          </a:fillRef>
+          <a:effectRef idx="0">
+            <a:schemeClr val="accent1"/>
+          </a:effectRef>
+          <a:fontRef idx="minor">
+            <a:schemeClr val="lt1"/>
+          </a:fontRef>
+        </p:style>
+        <p:txBody>
+          <a:bodyPr rtlCol="0" anchor="ctr"/>
+          <a:lstStyle/>
+          <a:p>
+            <a:pPr algn="ctr"/>
+            <a:endParaRPr lang="en-US">
+              <a:solidFill>
+                <a:prstClr val="white"/>
+              </a:solidFill>
+              <a:latin typeface="Calibri" panose="020F0502020204030204"/>
+            </a:endParaRPr>
+          </a:p>
+        </p:txBody>
+      </p:sp>
+      <p:sp>
+        <p:nvSpPr>
+          <p:cNvPr id="14" name="Rectangle 13">
+            <a:extLst>
+              <a:ext uri="{FF2B5EF4-FFF2-40B4-BE49-F238E27FC236}">
+                <a16:creationId xmlns:a16="http://schemas.microsoft.com/office/drawing/2014/main" id="{08C9B587-E65E-4B52-B37C-ABEBB6E87928}"/>
+              </a:ext>
+              <a:ext uri="{C183D7F6-B498-43B3-948B-1728B52AA6E4}">
+                <adec:decorative xmlns:adec="http://schemas.microsoft.com/office/drawing/2017/decorative" val="1"/>
+              </a:ext>
+            </a:extLst>
+          </p:cNvPr>
+          <p:cNvSpPr>
+            <a:spLocks noGrp="1" noRot="1" noChangeAspect="1" noMove="1" noResize="1" noEditPoints="1" noAdjustHandles="1" noChangeArrowheads="1" noChangeShapeType="1" noTextEdit="1"/>
+          </p:cNvSpPr>
+          <p:nvPr>
+            <p:extLst>
+              <p:ext uri="{386F3935-93C4-4BCD-93E2-E3B085C9AB24}">
+                <p16:designElem xmlns:p16="http://schemas.microsoft.com/office/powerpoint/2015/main" val="1"/>
+              </p:ext>
+            </p:extLst>
+          </p:nvPr>
+        </p:nvSpPr>
+        <p:spPr>
+          <a:xfrm>
+            <a:off x="360771" y="4546920"/>
+            <a:ext cx="2983230" cy="18288"/>
+          </a:xfrm>
+          <a:prstGeom prst="rect">
+            <a:avLst/>
+          </a:prstGeom>
+          <a:solidFill>
+            <a:schemeClr val="tx1"/>
+          </a:solidFill>
+          <a:ln w="3175">
+            <a:noFill/>
+          </a:ln>
+          <a:effectLst/>
+        </p:spPr>
+        <p:style>
+          <a:lnRef idx="2">
+            <a:schemeClr val="accent1">
+              <a:shade val="50000"/>
+            </a:schemeClr>
+          </a:lnRef>
+          <a:fillRef idx="1">
+            <a:schemeClr val="accent1"/>
+          </a:fillRef>
+          <a:effectRef idx="0">
+            <a:schemeClr val="accent1"/>
+          </a:effectRef>
+          <a:fontRef idx="minor">
+            <a:schemeClr val="lt1"/>
+          </a:fontRef>
+        </p:style>
+        <p:txBody>
+          <a:bodyPr rtlCol="0" anchor="ctr"/>
+          <a:lstStyle/>
+          <a:p>
+            <a:pPr marL="0" marR="0" lvl="0" indent="0" algn="ctr" defTabSz="914400" rtl="0" eaLnBrk="1" fontAlgn="auto" latinLnBrk="0" hangingPunct="1">
+              <a:lnSpc>
+                <a:spcPct val="100000"/>
+              </a:lnSpc>
+              <a:spcBef>
+                <a:spcPts val="0"/>
+              </a:spcBef>
+              <a:spcAft>
+                <a:spcPts val="0"/>
+              </a:spcAft>
+              <a:buClrTx/>
+              <a:buSzTx/>
+              <a:buFontTx/>
+              <a:buNone/>
+              <a:tabLst/>
+              <a:defRPr/>
+            </a:pPr>
+            <a:endParaRPr kumimoji="0" lang="en-US" sz="1800" b="0" i="0" u="none" strike="noStrike" kern="1200" cap="none" spc="0" normalizeH="0" baseline="0" noProof="0">
+              <a:ln>
+                <a:noFill/>
+              </a:ln>
+              <a:solidFill>
+                <a:prstClr val="white"/>
+              </a:solidFill>
+              <a:effectLst/>
+              <a:uLnTx/>
+              <a:uFillTx/>
+              <a:latin typeface="Calibri" panose="020F0502020204030204"/>
+              <a:ea typeface="+mn-ea"/>
+              <a:cs typeface="+mn-cs"/>
+            </a:endParaRPr>
+          </a:p>
+        </p:txBody>
+      </p:sp>
+    </p:spTree>
+    <p:extLst>
+      <p:ext uri="{BB962C8B-B14F-4D97-AF65-F5344CB8AC3E}">
+        <p14:creationId xmlns:p14="http://schemas.microsoft.com/office/powerpoint/2010/main" val="529914471"/>
+      </p:ext>
+    </p:extLst>
+  </p:cSld>
+  <p:clrMapOvr>
+    <a:overrideClrMapping bg1="dk1" tx1="lt1" bg2="dk2" tx2="lt2" accent1="accent1" accent2="accent2" accent3="accent3" accent4="accent4" accent5="accent5" accent6="accent6" hlink="hlink" folHlink="folHlink"/>
+  </p:clrMapOvr>
+  <p:timing>
+    <p:tnLst>
+      <p:par>
+        <p:cTn id="1" dur="indefinite" restart="never" nodeType="tmRoot">
+          <p:childTnLst>
+            <p:seq concurrent="1" nextAc="seek">
+              <p:cTn id="2" dur="indefinite" nodeType="mainSeq">
+                <p:childTnLst>
+                  <p:par>
+                    <p:cTn id="3" fill="hold">
+                      <p:stCondLst>
+                        <p:cond delay="indefinite"/>
+                        <p:cond evt="onBegin" delay="0">
+                          <p:tn val="2"/>
+                        </p:cond>
+                      </p:stCondLst>
+                      <p:childTnLst>
+                        <p:par>
+                          <p:cTn id="4" fill="hold">
+                            <p:stCondLst>
+                              <p:cond delay="0"/>
+                            </p:stCondLst>
+                            <p:childTnLst>
+                              <p:par>
+                                <p:cTn id="5" presetID="10" presetClass="entr" presetSubtype="0" fill="hold" grpId="0" nodeType="withEffect">
+                                  <p:stCondLst>
+                                    <p:cond delay="1000"/>
+                                  </p:stCondLst>
+                                  <p:iterate type="lt">
+                                    <p:tmPct val="10000"/>
+                                  </p:iterate>
+                                  <p:childTnLst>
+                                    <p:set>
+                                      <p:cBhvr>
+                                        <p:cTn id="6" dur="1" fill="hold">
+                                          <p:stCondLst>
+                                            <p:cond delay="0"/>
+                                          </p:stCondLst>
+                                        </p:cTn>
+                                        <p:tgtEl>
+                                          <p:spTgt spid="2"/>
+                                        </p:tgtEl>
+                                        <p:attrNameLst>
+                                          <p:attrName>style.visibility</p:attrName>
+                                        </p:attrNameLst>
+                                      </p:cBhvr>
+                                      <p:to>
+                                        <p:strVal val="visible"/>
+                                      </p:to>
+                                    </p:set>
+                                    <p:animEffect transition="in" filter="fade">
+                                      <p:cBhvr>
+                                        <p:cTn id="7" dur="400"/>
+                                        <p:tgtEl>
+                                          <p:spTgt spid="2"/>
+                                        </p:tgtEl>
+                                      </p:cBhvr>
+                                    </p:animEffect>
+                                  </p:childTnLst>
+                                </p:cTn>
+                              </p:par>
+                            </p:childTnLst>
+                          </p:cTn>
+                        </p:par>
+                      </p:childTnLst>
+                    </p:cTn>
+                  </p:par>
+                </p:childTnLst>
+              </p:cTn>
+              <p:prevCondLst>
+                <p:cond evt="onPrev" delay="0">
+                  <p:tgtEl>
+                    <p:sldTgt/>
+                  </p:tgtEl>
+                </p:cond>
+              </p:prevCondLst>
+              <p:nextCondLst>
+                <p:cond evt="onNext" delay="0">
+                  <p:tgtEl>
+                    <p:sldTgt/>
+                  </p:tgtEl>
+                </p:cond>
+              </p:nextCondLst>
+            </p:seq>
+          </p:childTnLst>
+        </p:cTn>
+      </p:par>
+    </p:tnLst>
+    <p:bldLst>
+      <p:bldP spid="2" grpId="0"/>
+    </p:bldLst>
+  </p:timing>
+</p:sld>
+</file>
+
 <file path=ppt/slides/slide2.xml><?xml version="1.0" encoding="utf-8"?>
 <p:sld xmlns:a="http://schemas.openxmlformats.org/drawingml/2006/main" xmlns:r="http://schemas.openxmlformats.org/officeDocument/2006/relationships" xmlns:p="http://schemas.openxmlformats.org/presentationml/2006/main">
   <p:cSld>
@@ -4895,19 +5537,17 @@
       </p:grpSpPr>
       <p:pic>
         <p:nvPicPr>
-          <p:cNvPr id="4" name="Inhaltsplatzhalter 4" descr="Ein Bild, das Karte enthält.&#10;&#10;Automatisch generierte Beschreibung">
-            <a:extLst>
-              <a:ext uri="{FF2B5EF4-FFF2-40B4-BE49-F238E27FC236}">
-                <a16:creationId xmlns:a16="http://schemas.microsoft.com/office/drawing/2014/main" id="{C2FA67E6-C69C-43DB-A160-91DA4B80BF31}"/>
+          <p:cNvPr id="14" name="Inhaltsplatzhalter 4" descr="Ein Bild, das Karte enthält.&#10;&#10;Automatisch generierte Beschreibung">
+            <a:extLst>
+              <a:ext uri="{FF2B5EF4-FFF2-40B4-BE49-F238E27FC236}">
+                <a16:creationId xmlns:a16="http://schemas.microsoft.com/office/drawing/2014/main" id="{0F2F197B-ECC6-9240-BED1-ADECA64A7C70}"/>
               </a:ext>
             </a:extLst>
           </p:cNvPr>
           <p:cNvPicPr>
-            <a:picLocks noGrp="1" noChangeAspect="1"/>
+            <a:picLocks noChangeAspect="1"/>
           </p:cNvPicPr>
-          <p:nvPr>
-            <p:ph idx="1"/>
-          </p:nvPr>
+          <p:nvPr/>
         </p:nvPicPr>
         <p:blipFill rotWithShape="1">
           <a:blip r:embed="rId2"/>
@@ -4916,260 +5556,14 @@
         </p:blipFill>
         <p:spPr>
           <a:xfrm>
-            <a:off x="20" y="10"/>
-            <a:ext cx="9143980" cy="6857990"/>
+            <a:off x="-702527" y="-1505407"/>
+            <a:ext cx="11853747" cy="8890317"/>
           </a:xfrm>
           <a:prstGeom prst="rect">
             <a:avLst/>
           </a:prstGeom>
         </p:spPr>
       </p:pic>
-      <p:sp>
-        <p:nvSpPr>
-          <p:cNvPr id="9" name="Rectangle 8">
-            <a:extLst>
-              <a:ext uri="{FF2B5EF4-FFF2-40B4-BE49-F238E27FC236}">
-                <a16:creationId xmlns:a16="http://schemas.microsoft.com/office/drawing/2014/main" id="{37C89E4B-3C9F-44B9-8B86-D9E3D112D8EC}"/>
-              </a:ext>
-              <a:ext uri="{C183D7F6-B498-43B3-948B-1728B52AA6E4}">
-                <adec:decorative xmlns:adec="http://schemas.microsoft.com/office/drawing/2017/decorative" val="1"/>
-              </a:ext>
-            </a:extLst>
-          </p:cNvPr>
-          <p:cNvSpPr>
-            <a:spLocks noGrp="1" noRot="1" noChangeAspect="1" noMove="1" noResize="1" noEditPoints="1" noAdjustHandles="1" noChangeArrowheads="1" noChangeShapeType="1" noTextEdit="1"/>
-          </p:cNvSpPr>
-          <p:nvPr>
-            <p:extLst>
-              <p:ext uri="{386F3935-93C4-4BCD-93E2-E3B085C9AB24}">
-                <p16:designElem xmlns:p16="http://schemas.microsoft.com/office/powerpoint/2015/main" val="1"/>
-              </p:ext>
-            </p:extLst>
-          </p:nvPr>
-        </p:nvSpPr>
-        <p:spPr>
-          <a:xfrm>
-            <a:off x="0" y="5320142"/>
-            <a:ext cx="9144000" cy="736551"/>
-          </a:xfrm>
-          <a:prstGeom prst="rect">
-            <a:avLst/>
-          </a:prstGeom>
-          <a:solidFill>
-            <a:schemeClr val="bg1">
-              <a:alpha val="93000"/>
-            </a:schemeClr>
-          </a:solidFill>
-          <a:ln>
-            <a:noFill/>
-          </a:ln>
-        </p:spPr>
-        <p:style>
-          <a:lnRef idx="2">
-            <a:schemeClr val="accent1">
-              <a:shade val="50000"/>
-            </a:schemeClr>
-          </a:lnRef>
-          <a:fillRef idx="1">
-            <a:schemeClr val="accent1"/>
-          </a:fillRef>
-          <a:effectRef idx="0">
-            <a:schemeClr val="accent1"/>
-          </a:effectRef>
-          <a:fontRef idx="minor">
-            <a:schemeClr val="lt1"/>
-          </a:fontRef>
-        </p:style>
-        <p:txBody>
-          <a:bodyPr rtlCol="0" anchor="ctr"/>
-          <a:lstStyle/>
-          <a:p>
-            <a:pPr algn="ctr"/>
-            <a:endParaRPr lang="en-US"/>
-          </a:p>
-        </p:txBody>
-      </p:sp>
-      <p:sp>
-        <p:nvSpPr>
-          <p:cNvPr id="2" name="Titel 1">
-            <a:extLst>
-              <a:ext uri="{FF2B5EF4-FFF2-40B4-BE49-F238E27FC236}">
-                <a16:creationId xmlns:a16="http://schemas.microsoft.com/office/drawing/2014/main" id="{C0F83736-8C65-49B2-8AE3-B820768EFDE6}"/>
-              </a:ext>
-            </a:extLst>
-          </p:cNvPr>
-          <p:cNvSpPr>
-            <a:spLocks noGrp="1"/>
-          </p:cNvSpPr>
-          <p:nvPr>
-            <p:ph type="title"/>
-          </p:nvPr>
-        </p:nvSpPr>
-        <p:spPr>
-          <a:xfrm>
-            <a:off x="392906" y="5317240"/>
-            <a:ext cx="8408194" cy="744836"/>
-          </a:xfrm>
-        </p:spPr>
-        <p:txBody>
-          <a:bodyPr vert="horz" lIns="91440" tIns="45720" rIns="91440" bIns="45720" rtlCol="0" anchor="ctr">
-            <a:normAutofit/>
-          </a:bodyPr>
-          <a:lstStyle/>
-          <a:p>
-            <a:pPr algn="ctr" defTabSz="914400"/>
-            <a:r>
-              <a:rPr lang="en-US" sz="3100" dirty="0" err="1">
-                <a:solidFill>
-                  <a:schemeClr val="tx1">
-                    <a:lumMod val="85000"/>
-                    <a:lumOff val="15000"/>
-                  </a:schemeClr>
-                </a:solidFill>
-              </a:rPr>
-              <a:t>Falscher</a:t>
-            </a:r>
-            <a:r>
-              <a:rPr lang="en-US" sz="3100" dirty="0">
-                <a:solidFill>
-                  <a:schemeClr val="tx1">
-                    <a:lumMod val="85000"/>
-                    <a:lumOff val="15000"/>
-                  </a:schemeClr>
-                </a:solidFill>
-              </a:rPr>
-              <a:t> </a:t>
-            </a:r>
-            <a:r>
-              <a:rPr lang="en-US" sz="3100" dirty="0" err="1">
-                <a:solidFill>
-                  <a:schemeClr val="tx1">
-                    <a:lumMod val="85000"/>
-                    <a:lumOff val="15000"/>
-                  </a:schemeClr>
-                </a:solidFill>
-              </a:rPr>
-              <a:t>Zoomlevel</a:t>
-            </a:r>
-            <a:endParaRPr lang="en-US" sz="3100" dirty="0">
-              <a:solidFill>
-                <a:schemeClr val="tx1">
-                  <a:lumMod val="85000"/>
-                  <a:lumOff val="15000"/>
-                </a:schemeClr>
-              </a:solidFill>
-            </a:endParaRPr>
-          </a:p>
-        </p:txBody>
-      </p:sp>
-      <p:cxnSp>
-        <p:nvCxnSpPr>
-          <p:cNvPr id="11" name="Straight Connector 10">
-            <a:extLst>
-              <a:ext uri="{FF2B5EF4-FFF2-40B4-BE49-F238E27FC236}">
-                <a16:creationId xmlns:a16="http://schemas.microsoft.com/office/drawing/2014/main" id="{AA2EAA10-076F-46BD-8F0F-B9A2FB77A85C}"/>
-              </a:ext>
-              <a:ext uri="{C183D7F6-B498-43B3-948B-1728B52AA6E4}">
-                <adec:decorative xmlns:adec="http://schemas.microsoft.com/office/drawing/2017/decorative" val="1"/>
-              </a:ext>
-            </a:extLst>
-          </p:cNvPr>
-          <p:cNvCxnSpPr>
-            <a:cxnSpLocks noGrp="1" noRot="1" noChangeAspect="1" noMove="1" noResize="1" noEditPoints="1" noAdjustHandles="1" noChangeArrowheads="1" noChangeShapeType="1"/>
-          </p:cNvCxnSpPr>
-          <p:nvPr>
-            <p:extLst>
-              <p:ext uri="{386F3935-93C4-4BCD-93E2-E3B085C9AB24}">
-                <p16:designElem xmlns:p16="http://schemas.microsoft.com/office/powerpoint/2015/main" val="1"/>
-              </p:ext>
-            </p:extLst>
-          </p:nvPr>
-        </p:nvCxnSpPr>
-        <p:spPr>
-          <a:xfrm>
-            <a:off x="0" y="5241983"/>
-            <a:ext cx="9144000" cy="0"/>
-          </a:xfrm>
-          <a:prstGeom prst="line">
-            <a:avLst/>
-          </a:prstGeom>
-          <a:ln w="41275">
-            <a:solidFill>
-              <a:schemeClr val="bg1">
-                <a:alpha val="90000"/>
-              </a:schemeClr>
-            </a:solidFill>
-          </a:ln>
-        </p:spPr>
-        <p:style>
-          <a:lnRef idx="1">
-            <a:schemeClr val="accent1"/>
-          </a:lnRef>
-          <a:fillRef idx="0">
-            <a:schemeClr val="accent1"/>
-          </a:fillRef>
-          <a:effectRef idx="0">
-            <a:schemeClr val="accent1"/>
-          </a:effectRef>
-          <a:fontRef idx="minor">
-            <a:schemeClr val="tx1"/>
-          </a:fontRef>
-        </p:style>
-      </p:cxnSp>
-      <p:cxnSp>
-        <p:nvCxnSpPr>
-          <p:cNvPr id="13" name="Straight Connector 12">
-            <a:extLst>
-              <a:ext uri="{FF2B5EF4-FFF2-40B4-BE49-F238E27FC236}">
-                <a16:creationId xmlns:a16="http://schemas.microsoft.com/office/drawing/2014/main" id="{D891E407-403B-4764-86C9-33A56D3BCAA3}"/>
-              </a:ext>
-              <a:ext uri="{C183D7F6-B498-43B3-948B-1728B52AA6E4}">
-                <adec:decorative xmlns:adec="http://schemas.microsoft.com/office/drawing/2017/decorative" val="1"/>
-              </a:ext>
-            </a:extLst>
-          </p:cNvPr>
-          <p:cNvCxnSpPr>
-            <a:cxnSpLocks noGrp="1" noRot="1" noChangeAspect="1" noMove="1" noResize="1" noEditPoints="1" noAdjustHandles="1" noChangeArrowheads="1" noChangeShapeType="1"/>
-          </p:cNvCxnSpPr>
-          <p:nvPr>
-            <p:extLst>
-              <p:ext uri="{386F3935-93C4-4BCD-93E2-E3B085C9AB24}">
-                <p16:designElem xmlns:p16="http://schemas.microsoft.com/office/powerpoint/2015/main" val="1"/>
-              </p:ext>
-            </p:extLst>
-          </p:nvPr>
-        </p:nvCxnSpPr>
-        <p:spPr>
-          <a:xfrm>
-            <a:off x="0" y="6134852"/>
-            <a:ext cx="9144000" cy="0"/>
-          </a:xfrm>
-          <a:prstGeom prst="line">
-            <a:avLst/>
-          </a:prstGeom>
-          <a:ln w="41275">
-            <a:solidFill>
-              <a:schemeClr val="bg1">
-                <a:alpha val="90000"/>
-              </a:schemeClr>
-            </a:solidFill>
-          </a:ln>
-        </p:spPr>
-        <p:style>
-          <a:lnRef idx="1">
-            <a:schemeClr val="accent1"/>
-          </a:lnRef>
-          <a:fillRef idx="0">
-            <a:schemeClr val="accent1"/>
-          </a:fillRef>
-          <a:effectRef idx="0">
-            <a:schemeClr val="accent1"/>
-          </a:effectRef>
-          <a:fontRef idx="minor">
-            <a:schemeClr val="tx1"/>
-          </a:fontRef>
-        </p:style>
-      </p:cxnSp>
     </p:spTree>
     <p:extLst>
       <p:ext uri="{BB962C8B-B14F-4D97-AF65-F5344CB8AC3E}">
@@ -5231,8 +5625,24 @@
             </a:r>
             <a:r>
               <a:rPr lang="de-CH" dirty="0"/>
-              <a:t> in Airlock IAM</a:t>
-            </a:r>
+              <a:t> in </a:t>
+            </a:r>
+            <a:r>
+              <a:rPr lang="de-CH" dirty="0" err="1"/>
+              <a:t>Airlock</a:t>
+            </a:r>
+            <a:r>
+              <a:rPr lang="de-CH" dirty="0"/>
+              <a:t> IAM</a:t>
+            </a:r>
+            <a:br>
+              <a:rPr lang="de-CH" dirty="0"/>
+            </a:br>
+            <a:r>
+              <a:rPr lang="de-CH" dirty="0" err="1"/>
+              <a:t>Steps</a:t>
+            </a:r>
+            <a:endParaRPr lang="de-CH" dirty="0"/>
           </a:p>
         </p:txBody>
       </p:sp>
@@ -5258,7 +5668,7 @@
         </p:blipFill>
         <p:spPr>
           <a:xfrm>
-            <a:off x="628649" y="1746507"/>
+            <a:off x="628650" y="2437883"/>
             <a:ext cx="7742271" cy="2759125"/>
           </a:xfrm>
           <a:prstGeom prst="rect">
@@ -5327,8 +5737,24 @@
             </a:r>
             <a:r>
               <a:rPr lang="de-CH" dirty="0"/>
-              <a:t> in Airlock IAM</a:t>
-            </a:r>
+              <a:t> in </a:t>
+            </a:r>
+            <a:r>
+              <a:rPr lang="de-CH" dirty="0" err="1"/>
+              <a:t>Airlock</a:t>
+            </a:r>
+            <a:r>
+              <a:rPr lang="de-CH" dirty="0"/>
+              <a:t> IAM</a:t>
+            </a:r>
+            <a:br>
+              <a:rPr lang="de-CH" dirty="0"/>
+            </a:br>
+            <a:r>
+              <a:rPr lang="de-CH" dirty="0" err="1"/>
+              <a:t>Step</a:t>
+            </a:r>
+            <a:endParaRPr lang="de-CH" dirty="0"/>
           </a:p>
         </p:txBody>
       </p:sp>
@@ -5356,7 +5782,7 @@
         </p:blipFill>
         <p:spPr>
           <a:xfrm>
-            <a:off x="2142373" y="1363944"/>
+            <a:off x="2131222" y="1595494"/>
             <a:ext cx="4576091" cy="5262506"/>
           </a:xfrm>
           <a:prstGeom prst="rect">
@@ -5364,6 +5790,108 @@
           </a:prstGeom>
         </p:spPr>
       </p:pic>
+      <p:sp>
+        <p:nvSpPr>
+          <p:cNvPr id="3" name="Abgerundetes Rechteck 2">
+            <a:extLst>
+              <a:ext uri="{FF2B5EF4-FFF2-40B4-BE49-F238E27FC236}">
+                <a16:creationId xmlns:a16="http://schemas.microsoft.com/office/drawing/2014/main" id="{E74A7152-4FF9-4847-B77B-46403AEFD788}"/>
+              </a:ext>
+            </a:extLst>
+          </p:cNvPr>
+          <p:cNvSpPr/>
+          <p:nvPr/>
+        </p:nvSpPr>
+        <p:spPr>
+          <a:xfrm>
+            <a:off x="2352907" y="4951141"/>
+            <a:ext cx="1025913" cy="267630"/>
+          </a:xfrm>
+          <a:prstGeom prst="roundRect">
+            <a:avLst/>
+          </a:prstGeom>
+          <a:solidFill>
+            <a:srgbClr val="FFFF00">
+              <a:alpha val="8223"/>
+            </a:srgbClr>
+          </a:solidFill>
+        </p:spPr>
+        <p:style>
+          <a:lnRef idx="2">
+            <a:schemeClr val="accent1">
+              <a:shade val="50000"/>
+            </a:schemeClr>
+          </a:lnRef>
+          <a:fillRef idx="1">
+            <a:schemeClr val="accent1"/>
+          </a:fillRef>
+          <a:effectRef idx="0">
+            <a:schemeClr val="accent1"/>
+          </a:effectRef>
+          <a:fontRef idx="minor">
+            <a:schemeClr val="lt1"/>
+          </a:fontRef>
+        </p:style>
+        <p:txBody>
+          <a:bodyPr rtlCol="0" anchor="ctr"/>
+          <a:lstStyle/>
+          <a:p>
+            <a:pPr algn="ctr"/>
+            <a:endParaRPr lang="de-DE"/>
+          </a:p>
+        </p:txBody>
+      </p:sp>
+      <p:sp>
+        <p:nvSpPr>
+          <p:cNvPr id="7" name="Abgerundetes Rechteck 6">
+            <a:extLst>
+              <a:ext uri="{FF2B5EF4-FFF2-40B4-BE49-F238E27FC236}">
+                <a16:creationId xmlns:a16="http://schemas.microsoft.com/office/drawing/2014/main" id="{DC529B94-5B70-E74B-9407-0DE41D5AA77F}"/>
+              </a:ext>
+            </a:extLst>
+          </p:cNvPr>
+          <p:cNvSpPr/>
+          <p:nvPr/>
+        </p:nvSpPr>
+        <p:spPr>
+          <a:xfrm>
+            <a:off x="2352907" y="5977052"/>
+            <a:ext cx="1025913" cy="267630"/>
+          </a:xfrm>
+          <a:prstGeom prst="roundRect">
+            <a:avLst/>
+          </a:prstGeom>
+          <a:solidFill>
+            <a:srgbClr val="FFFF00">
+              <a:alpha val="8223"/>
+            </a:srgbClr>
+          </a:solidFill>
+        </p:spPr>
+        <p:style>
+          <a:lnRef idx="2">
+            <a:schemeClr val="accent1">
+              <a:shade val="50000"/>
+            </a:schemeClr>
+          </a:lnRef>
+          <a:fillRef idx="1">
+            <a:schemeClr val="accent1"/>
+          </a:fillRef>
+          <a:effectRef idx="0">
+            <a:schemeClr val="accent1"/>
+          </a:effectRef>
+          <a:fontRef idx="minor">
+            <a:schemeClr val="lt1"/>
+          </a:fontRef>
+        </p:style>
+        <p:txBody>
+          <a:bodyPr rtlCol="0" anchor="ctr"/>
+          <a:lstStyle/>
+          <a:p>
+            <a:pPr algn="ctr"/>
+            <a:endParaRPr lang="de-DE"/>
+          </a:p>
+        </p:txBody>
+      </p:sp>
     </p:spTree>
     <p:extLst>
       <p:ext uri="{BB962C8B-B14F-4D97-AF65-F5344CB8AC3E}">
@@ -5425,8 +5953,32 @@
             </a:r>
             <a:r>
               <a:rPr lang="de-CH" dirty="0"/>
-              <a:t> in Airlock IAM</a:t>
-            </a:r>
+              <a:t> in </a:t>
+            </a:r>
+            <a:r>
+              <a:rPr lang="de-CH" dirty="0" err="1"/>
+              <a:t>Airlock</a:t>
+            </a:r>
+            <a:r>
+              <a:rPr lang="de-CH" dirty="0"/>
+              <a:t> IAM</a:t>
+            </a:r>
+            <a:br>
+              <a:rPr lang="de-CH" dirty="0"/>
+            </a:br>
+            <a:r>
+              <a:rPr lang="de-CH" dirty="0" err="1"/>
+              <a:t>Selection</a:t>
+            </a:r>
+            <a:r>
+              <a:rPr lang="de-CH" dirty="0"/>
+              <a:t> </a:t>
+            </a:r>
+            <a:r>
+              <a:rPr lang="de-CH" dirty="0" err="1"/>
+              <a:t>Step</a:t>
+            </a:r>
+            <a:endParaRPr lang="de-CH" dirty="0"/>
           </a:p>
         </p:txBody>
       </p:sp>
@@ -5452,7 +6004,7 @@
         </p:blipFill>
         <p:spPr>
           <a:xfrm>
-            <a:off x="990971" y="1491562"/>
+            <a:off x="1102483" y="1690689"/>
             <a:ext cx="5687219" cy="4715533"/>
           </a:xfrm>
           <a:prstGeom prst="rect">
@@ -5521,7 +6073,26 @@
             </a:r>
             <a:r>
               <a:rPr lang="de-CH" dirty="0"/>
-              <a:t> in Airlock IAM</a:t>
+              <a:t> in </a:t>
+            </a:r>
+            <a:r>
+              <a:rPr lang="de-CH" dirty="0" err="1"/>
+              <a:t>Airlock</a:t>
+            </a:r>
+            <a:r>
+              <a:rPr lang="de-CH" dirty="0"/>
+              <a:t> IAM</a:t>
+            </a:r>
+            <a:br>
+              <a:rPr lang="de-CH" dirty="0"/>
+            </a:br>
+            <a:r>
+              <a:rPr lang="de-CH" dirty="0" err="1"/>
+              <a:t>Selection</a:t>
+            </a:r>
+            <a:r>
+              <a:rPr lang="de-CH" dirty="0"/>
+              <a:t> Option</a:t>
             </a:r>
           </a:p>
         </p:txBody>
@@ -5556,6 +6127,57 @@
           </a:prstGeom>
         </p:spPr>
       </p:pic>
+      <p:sp>
+        <p:nvSpPr>
+          <p:cNvPr id="4" name="Abgerundetes Rechteck 3">
+            <a:extLst>
+              <a:ext uri="{FF2B5EF4-FFF2-40B4-BE49-F238E27FC236}">
+                <a16:creationId xmlns:a16="http://schemas.microsoft.com/office/drawing/2014/main" id="{D962A07A-6546-D044-92D2-1D0C7A1212BB}"/>
+              </a:ext>
+            </a:extLst>
+          </p:cNvPr>
+          <p:cNvSpPr/>
+          <p:nvPr/>
+        </p:nvSpPr>
+        <p:spPr>
+          <a:xfrm>
+            <a:off x="878164" y="4951141"/>
+            <a:ext cx="1025913" cy="267630"/>
+          </a:xfrm>
+          <a:prstGeom prst="roundRect">
+            <a:avLst/>
+          </a:prstGeom>
+          <a:solidFill>
+            <a:srgbClr val="FFFF00">
+              <a:alpha val="8223"/>
+            </a:srgbClr>
+          </a:solidFill>
+        </p:spPr>
+        <p:style>
+          <a:lnRef idx="2">
+            <a:schemeClr val="accent1">
+              <a:shade val="50000"/>
+            </a:schemeClr>
+          </a:lnRef>
+          <a:fillRef idx="1">
+            <a:schemeClr val="accent1"/>
+          </a:fillRef>
+          <a:effectRef idx="0">
+            <a:schemeClr val="accent1"/>
+          </a:effectRef>
+          <a:fontRef idx="minor">
+            <a:schemeClr val="lt1"/>
+          </a:fontRef>
+        </p:style>
+        <p:txBody>
+          <a:bodyPr rtlCol="0" anchor="ctr"/>
+          <a:lstStyle/>
+          <a:p>
+            <a:pPr algn="ctr"/>
+            <a:endParaRPr lang="de-DE"/>
+          </a:p>
+        </p:txBody>
+      </p:sp>
     </p:spTree>
     <p:extLst>
       <p:ext uri="{BB962C8B-B14F-4D97-AF65-F5344CB8AC3E}">
@@ -7565,8 +8187,12 @@
           <a:lstStyle/>
           <a:p>
             <a:r>
+              <a:rPr lang="de-CH" dirty="0" err="1"/>
+              <a:t>Flowchart</a:t>
+            </a:r>
+            <a:r>
               <a:rPr lang="de-CH" dirty="0"/>
-              <a:t>Flowchart versus </a:t>
+              <a:t> &lt;-&gt; </a:t>
             </a:r>
             <a:r>
               <a:rPr lang="de-CH" dirty="0" err="1"/>
@@ -8886,8 +9512,12 @@
           <a:lstStyle/>
           <a:p>
             <a:r>
+              <a:rPr lang="de-CH" dirty="0" err="1"/>
+              <a:t>Flowchart</a:t>
+            </a:r>
+            <a:r>
               <a:rPr lang="de-CH" dirty="0"/>
-              <a:t>Flowchart versus </a:t>
+              <a:t> &lt;-&gt; </a:t>
             </a:r>
             <a:r>
               <a:rPr lang="de-CH" dirty="0" err="1"/>
